--- a/Old Resources/Migrated from Old Storage/Washing Machine Wash Plan.pptx
+++ b/Old Resources/Migrated from Old Storage/Washing Machine Wash Plan.pptx
@@ -238,7 +238,7 @@
           <a:p>
             <a:fld id="{5F7D98A7-6DCC-4CAC-968E-BA45BAEF6709}" type="datetimeFigureOut">
               <a:rPr lang="en-US" smtClean="0"/>
-              <a:t>11/11/2022</a:t>
+              <a:t>5/14/2023</a:t>
             </a:fld>
             <a:endParaRPr lang="en-US"/>
           </a:p>
@@ -636,7 +636,7 @@
           <a:p>
             <a:fld id="{02371364-1286-4716-8A87-2C2E8427ACC4}" type="datetime1">
               <a:rPr lang="en-US" smtClean="0"/>
-              <a:t>11/11/2022</a:t>
+              <a:t>5/14/2023</a:t>
             </a:fld>
             <a:endParaRPr lang="en-US"/>
           </a:p>
@@ -809,7 +809,7 @@
           <a:p>
             <a:fld id="{DF2C9898-8BAB-4D28-9640-C1F5D8FE3EC0}" type="datetime1">
               <a:rPr lang="en-US" smtClean="0"/>
-              <a:t>11/11/2022</a:t>
+              <a:t>5/14/2023</a:t>
             </a:fld>
             <a:endParaRPr lang="en-US"/>
           </a:p>
@@ -992,7 +992,7 @@
           <a:p>
             <a:fld id="{8CEFB714-9CC9-4FBF-AA5D-5B3B860F0B94}" type="datetime1">
               <a:rPr lang="en-US" smtClean="0"/>
-              <a:t>11/11/2022</a:t>
+              <a:t>5/14/2023</a:t>
             </a:fld>
             <a:endParaRPr lang="en-US"/>
           </a:p>
@@ -1165,7 +1165,7 @@
           <a:p>
             <a:fld id="{C65F2B87-4126-44F1-B7EA-56A82A622314}" type="datetime1">
               <a:rPr lang="en-US" smtClean="0"/>
-              <a:t>11/11/2022</a:t>
+              <a:t>5/14/2023</a:t>
             </a:fld>
             <a:endParaRPr lang="en-US"/>
           </a:p>
@@ -1412,7 +1412,7 @@
           <a:p>
             <a:fld id="{F7C5F256-60FB-4D00-8EE3-F2FBB963F9DC}" type="datetime1">
               <a:rPr lang="en-US" smtClean="0"/>
-              <a:t>11/11/2022</a:t>
+              <a:t>5/14/2023</a:t>
             </a:fld>
             <a:endParaRPr lang="en-US"/>
           </a:p>
@@ -1647,7 +1647,7 @@
           <a:p>
             <a:fld id="{5F46FF08-7040-4C8A-8A28-4E6FD69200D6}" type="datetime1">
               <a:rPr lang="en-US" smtClean="0"/>
-              <a:t>11/11/2022</a:t>
+              <a:t>5/14/2023</a:t>
             </a:fld>
             <a:endParaRPr lang="en-US"/>
           </a:p>
@@ -2017,7 +2017,7 @@
           <a:p>
             <a:fld id="{887BDB98-2291-4309-864B-B3C76C90B89A}" type="datetime1">
               <a:rPr lang="en-US" smtClean="0"/>
-              <a:t>11/11/2022</a:t>
+              <a:t>5/14/2023</a:t>
             </a:fld>
             <a:endParaRPr lang="en-US"/>
           </a:p>
@@ -2138,7 +2138,7 @@
           <a:p>
             <a:fld id="{32F5ACD8-39ED-421B-BACE-223E6C2AE2EB}" type="datetime1">
               <a:rPr lang="en-US" smtClean="0"/>
-              <a:t>11/11/2022</a:t>
+              <a:t>5/14/2023</a:t>
             </a:fld>
             <a:endParaRPr lang="en-US"/>
           </a:p>
@@ -2236,7 +2236,7 @@
           <a:p>
             <a:fld id="{F1E55991-2261-4309-953E-E2CA5C46F052}" type="datetime1">
               <a:rPr lang="en-US" smtClean="0"/>
-              <a:t>11/11/2022</a:t>
+              <a:t>5/14/2023</a:t>
             </a:fld>
             <a:endParaRPr lang="en-US"/>
           </a:p>
@@ -2516,7 +2516,7 @@
           <a:p>
             <a:fld id="{8F83A051-9A83-4F31-9FB3-335DF48D39D8}" type="datetime1">
               <a:rPr lang="en-US" smtClean="0"/>
-              <a:t>11/11/2022</a:t>
+              <a:t>5/14/2023</a:t>
             </a:fld>
             <a:endParaRPr lang="en-US"/>
           </a:p>
@@ -2776,7 +2776,7 @@
           <a:p>
             <a:fld id="{DA9BE250-95A5-498A-8810-15A998AAD95B}" type="datetime1">
               <a:rPr lang="en-US" smtClean="0"/>
-              <a:t>11/11/2022</a:t>
+              <a:t>5/14/2023</a:t>
             </a:fld>
             <a:endParaRPr lang="en-US"/>
           </a:p>
@@ -2992,7 +2992,7 @@
           <a:p>
             <a:fld id="{EAEB60CD-48D1-474E-81B7-AAB3945D57E2}" type="datetime1">
               <a:rPr lang="en-US" smtClean="0"/>
-              <a:t>11/11/2022</a:t>
+              <a:t>5/14/2023</a:t>
             </a:fld>
             <a:endParaRPr lang="en-US"/>
           </a:p>
@@ -5299,7 +5299,7 @@
           <a:p>
             <a:fld id="{C5931A13-747A-4DC9-9D8D-E203E106A295}" type="datetime1">
               <a:rPr lang="en-US" smtClean="0"/>
-              <a:t>11/11/2022</a:t>
+              <a:t>5/14/2023</a:t>
             </a:fld>
             <a:endParaRPr lang="en-US"/>
           </a:p>
@@ -5867,7 +5867,7 @@
           <a:p>
             <a:fld id="{C65F2B87-4126-44F1-B7EA-56A82A622314}" type="datetime1">
               <a:rPr lang="en-US" smtClean="0"/>
-              <a:t>11/11/2022</a:t>
+              <a:t>5/14/2023</a:t>
             </a:fld>
             <a:endParaRPr lang="en-US"/>
           </a:p>
@@ -7294,7 +7294,7 @@
           <a:p>
             <a:fld id="{C65F2B87-4126-44F1-B7EA-56A82A622314}" type="datetime1">
               <a:rPr lang="en-US" smtClean="0"/>
-              <a:t>11/11/2022</a:t>
+              <a:t>5/14/2023</a:t>
             </a:fld>
             <a:endParaRPr lang="en-US"/>
           </a:p>
@@ -9072,274 +9072,6 @@
           </a:fontRef>
         </p:style>
       </p:cxnSp>
-      <p:grpSp>
-        <p:nvGrpSpPr>
-          <p:cNvPr id="13" name="Group 12">
-            <a:extLst>
-              <a:ext uri="{FF2B5EF4-FFF2-40B4-BE49-F238E27FC236}">
-                <a16:creationId xmlns:a16="http://schemas.microsoft.com/office/drawing/2014/main" id="{FE235328-A89F-44A7-9CEC-61B1BE99BEC3}"/>
-              </a:ext>
-            </a:extLst>
-          </p:cNvPr>
-          <p:cNvGrpSpPr/>
-          <p:nvPr/>
-        </p:nvGrpSpPr>
-        <p:grpSpPr>
-          <a:xfrm>
-            <a:off x="893346" y="4067753"/>
-            <a:ext cx="481512" cy="910652"/>
-            <a:chOff x="2457303" y="2693230"/>
-            <a:chExt cx="1070058" cy="2463432"/>
-          </a:xfrm>
-          <a:solidFill>
-            <a:schemeClr val="bg1"/>
-          </a:solidFill>
-        </p:grpSpPr>
-        <p:sp>
-          <p:nvSpPr>
-            <p:cNvPr id="14" name="Rectangle 13">
-              <a:extLst>
-                <a:ext uri="{FF2B5EF4-FFF2-40B4-BE49-F238E27FC236}">
-                  <a16:creationId xmlns:a16="http://schemas.microsoft.com/office/drawing/2014/main" id="{AF681028-DFE1-4B0E-BB53-36C24D0D3687}"/>
-                </a:ext>
-              </a:extLst>
-            </p:cNvPr>
-            <p:cNvSpPr/>
-            <p:nvPr/>
-          </p:nvSpPr>
-          <p:spPr>
-            <a:xfrm>
-              <a:off x="2457796" y="3092335"/>
-              <a:ext cx="1069565" cy="1848196"/>
-            </a:xfrm>
-            <a:prstGeom prst="rect">
-              <a:avLst/>
-            </a:prstGeom>
-            <a:grpFill/>
-            <a:ln w="28575">
-              <a:solidFill>
-                <a:schemeClr val="tx1"/>
-              </a:solidFill>
-            </a:ln>
-          </p:spPr>
-          <p:style>
-            <a:lnRef idx="2">
-              <a:schemeClr val="accent1">
-                <a:shade val="50000"/>
-              </a:schemeClr>
-            </a:lnRef>
-            <a:fillRef idx="1">
-              <a:schemeClr val="accent1"/>
-            </a:fillRef>
-            <a:effectRef idx="0">
-              <a:schemeClr val="accent1"/>
-            </a:effectRef>
-            <a:fontRef idx="minor">
-              <a:schemeClr val="lt1"/>
-            </a:fontRef>
-          </p:style>
-          <p:txBody>
-            <a:bodyPr rtlCol="0" anchor="ctr"/>
-            <a:lstStyle/>
-            <a:p>
-              <a:pPr algn="ctr"/>
-              <a:endParaRPr lang="en-US" dirty="0"/>
-            </a:p>
-          </p:txBody>
-        </p:sp>
-        <p:sp>
-          <p:nvSpPr>
-            <p:cNvPr id="15" name="Rectangle 14">
-              <a:extLst>
-                <a:ext uri="{FF2B5EF4-FFF2-40B4-BE49-F238E27FC236}">
-                  <a16:creationId xmlns:a16="http://schemas.microsoft.com/office/drawing/2014/main" id="{76EF9562-349D-4069-AE6A-C73E29B8EAE1}"/>
-                </a:ext>
-              </a:extLst>
-            </p:cNvPr>
-            <p:cNvSpPr/>
-            <p:nvPr/>
-          </p:nvSpPr>
-          <p:spPr>
-            <a:xfrm>
-              <a:off x="2457303" y="4414853"/>
-              <a:ext cx="1069564" cy="152400"/>
-            </a:xfrm>
-            <a:prstGeom prst="rect">
-              <a:avLst/>
-            </a:prstGeom>
-            <a:grpFill/>
-            <a:ln w="28575">
-              <a:solidFill>
-                <a:schemeClr val="tx1"/>
-              </a:solidFill>
-            </a:ln>
-          </p:spPr>
-          <p:style>
-            <a:lnRef idx="2">
-              <a:schemeClr val="accent1">
-                <a:shade val="50000"/>
-              </a:schemeClr>
-            </a:lnRef>
-            <a:fillRef idx="1">
-              <a:schemeClr val="accent1"/>
-            </a:fillRef>
-            <a:effectRef idx="0">
-              <a:schemeClr val="accent1"/>
-            </a:effectRef>
-            <a:fontRef idx="minor">
-              <a:schemeClr val="lt1"/>
-            </a:fontRef>
-          </p:style>
-          <p:txBody>
-            <a:bodyPr rtlCol="0" anchor="ctr"/>
-            <a:lstStyle/>
-            <a:p>
-              <a:pPr algn="ctr"/>
-              <a:endParaRPr lang="en-US" dirty="0"/>
-            </a:p>
-          </p:txBody>
-        </p:sp>
-        <p:sp>
-          <p:nvSpPr>
-            <p:cNvPr id="16" name="Rectangle 15">
-              <a:extLst>
-                <a:ext uri="{FF2B5EF4-FFF2-40B4-BE49-F238E27FC236}">
-                  <a16:creationId xmlns:a16="http://schemas.microsoft.com/office/drawing/2014/main" id="{DA005F49-E220-4F35-81C8-3D6586A560E1}"/>
-                </a:ext>
-              </a:extLst>
-            </p:cNvPr>
-            <p:cNvSpPr/>
-            <p:nvPr/>
-          </p:nvSpPr>
-          <p:spPr>
-            <a:xfrm>
-              <a:off x="2457795" y="3239193"/>
-              <a:ext cx="1069565" cy="152400"/>
-            </a:xfrm>
-            <a:prstGeom prst="rect">
-              <a:avLst/>
-            </a:prstGeom>
-            <a:grpFill/>
-            <a:ln w="28575">
-              <a:solidFill>
-                <a:schemeClr val="tx1"/>
-              </a:solidFill>
-            </a:ln>
-          </p:spPr>
-          <p:style>
-            <a:lnRef idx="2">
-              <a:schemeClr val="accent1">
-                <a:shade val="50000"/>
-              </a:schemeClr>
-            </a:lnRef>
-            <a:fillRef idx="1">
-              <a:schemeClr val="accent1"/>
-            </a:fillRef>
-            <a:effectRef idx="0">
-              <a:schemeClr val="accent1"/>
-            </a:effectRef>
-            <a:fontRef idx="minor">
-              <a:schemeClr val="lt1"/>
-            </a:fontRef>
-          </p:style>
-          <p:txBody>
-            <a:bodyPr rtlCol="0" anchor="ctr"/>
-            <a:lstStyle/>
-            <a:p>
-              <a:pPr algn="ctr"/>
-              <a:endParaRPr lang="en-US"/>
-            </a:p>
-          </p:txBody>
-        </p:sp>
-        <p:cxnSp>
-          <p:nvCxnSpPr>
-            <p:cNvPr id="17" name="Straight Connector 16">
-              <a:extLst>
-                <a:ext uri="{FF2B5EF4-FFF2-40B4-BE49-F238E27FC236}">
-                  <a16:creationId xmlns:a16="http://schemas.microsoft.com/office/drawing/2014/main" id="{22F748BA-E1F0-42CB-8696-D6EAF749F0C0}"/>
-                </a:ext>
-              </a:extLst>
-            </p:cNvPr>
-            <p:cNvCxnSpPr>
-              <a:cxnSpLocks/>
-            </p:cNvCxnSpPr>
-            <p:nvPr/>
-          </p:nvCxnSpPr>
-          <p:spPr>
-            <a:xfrm>
-              <a:off x="2598618" y="4940531"/>
-              <a:ext cx="754182" cy="216131"/>
-            </a:xfrm>
-            <a:prstGeom prst="line">
-              <a:avLst/>
-            </a:prstGeom>
-            <a:grpFill/>
-            <a:ln w="28575">
-              <a:solidFill>
-                <a:schemeClr val="tx1"/>
-              </a:solidFill>
-            </a:ln>
-          </p:spPr>
-          <p:style>
-            <a:lnRef idx="1">
-              <a:schemeClr val="accent1"/>
-            </a:lnRef>
-            <a:fillRef idx="0">
-              <a:schemeClr val="accent1"/>
-            </a:fillRef>
-            <a:effectRef idx="0">
-              <a:schemeClr val="accent1"/>
-            </a:effectRef>
-            <a:fontRef idx="minor">
-              <a:schemeClr val="tx1"/>
-            </a:fontRef>
-          </p:style>
-        </p:cxnSp>
-        <p:cxnSp>
-          <p:nvCxnSpPr>
-            <p:cNvPr id="18" name="Straight Connector 17">
-              <a:extLst>
-                <a:ext uri="{FF2B5EF4-FFF2-40B4-BE49-F238E27FC236}">
-                  <a16:creationId xmlns:a16="http://schemas.microsoft.com/office/drawing/2014/main" id="{E2F5C831-8A52-4783-A8F8-98F2A19DF7C0}"/>
-                </a:ext>
-              </a:extLst>
-            </p:cNvPr>
-            <p:cNvCxnSpPr>
-              <a:cxnSpLocks/>
-            </p:cNvCxnSpPr>
-            <p:nvPr/>
-          </p:nvCxnSpPr>
-          <p:spPr>
-            <a:xfrm flipH="1" flipV="1">
-              <a:off x="2969822" y="2693230"/>
-              <a:ext cx="5396" cy="1721623"/>
-            </a:xfrm>
-            <a:prstGeom prst="line">
-              <a:avLst/>
-            </a:prstGeom>
-            <a:grpFill/>
-            <a:ln w="28575">
-              <a:solidFill>
-                <a:schemeClr val="tx1"/>
-              </a:solidFill>
-            </a:ln>
-          </p:spPr>
-          <p:style>
-            <a:lnRef idx="1">
-              <a:schemeClr val="accent1"/>
-            </a:lnRef>
-            <a:fillRef idx="0">
-              <a:schemeClr val="accent1"/>
-            </a:fillRef>
-            <a:effectRef idx="0">
-              <a:schemeClr val="accent1"/>
-            </a:effectRef>
-            <a:fontRef idx="minor">
-              <a:schemeClr val="tx1"/>
-            </a:fontRef>
-          </p:style>
-        </p:cxnSp>
-      </p:grpSp>
       <p:cxnSp>
         <p:nvCxnSpPr>
           <p:cNvPr id="19" name="Straight Connector 18">
@@ -9727,6 +9459,258 @@
           </a:fontRef>
         </p:style>
       </p:cxnSp>
+      <p:sp>
+        <p:nvSpPr>
+          <p:cNvPr id="14" name="Rectangle 13">
+            <a:extLst>
+              <a:ext uri="{FF2B5EF4-FFF2-40B4-BE49-F238E27FC236}">
+                <a16:creationId xmlns:a16="http://schemas.microsoft.com/office/drawing/2014/main" id="{AF681028-DFE1-4B0E-BB53-36C24D0D3687}"/>
+              </a:ext>
+            </a:extLst>
+          </p:cNvPr>
+          <p:cNvSpPr/>
+          <p:nvPr/>
+        </p:nvSpPr>
+        <p:spPr>
+          <a:xfrm>
+            <a:off x="893568" y="4215289"/>
+            <a:ext cx="481290" cy="683219"/>
+          </a:xfrm>
+          <a:prstGeom prst="rect">
+            <a:avLst/>
+          </a:prstGeom>
+          <a:noFill/>
+          <a:ln w="28575">
+            <a:solidFill>
+              <a:schemeClr val="tx1"/>
+            </a:solidFill>
+          </a:ln>
+        </p:spPr>
+        <p:style>
+          <a:lnRef idx="2">
+            <a:schemeClr val="accent1">
+              <a:shade val="50000"/>
+            </a:schemeClr>
+          </a:lnRef>
+          <a:fillRef idx="1">
+            <a:schemeClr val="accent1"/>
+          </a:fillRef>
+          <a:effectRef idx="0">
+            <a:schemeClr val="accent1"/>
+          </a:effectRef>
+          <a:fontRef idx="minor">
+            <a:schemeClr val="lt1"/>
+          </a:fontRef>
+        </p:style>
+        <p:txBody>
+          <a:bodyPr rtlCol="0" anchor="ctr"/>
+          <a:lstStyle/>
+          <a:p>
+            <a:pPr algn="ctr"/>
+            <a:endParaRPr lang="en-US" dirty="0"/>
+          </a:p>
+        </p:txBody>
+      </p:sp>
+      <p:sp>
+        <p:nvSpPr>
+          <p:cNvPr id="15" name="Rectangle 14">
+            <a:extLst>
+              <a:ext uri="{FF2B5EF4-FFF2-40B4-BE49-F238E27FC236}">
+                <a16:creationId xmlns:a16="http://schemas.microsoft.com/office/drawing/2014/main" id="{76EF9562-349D-4069-AE6A-C73E29B8EAE1}"/>
+              </a:ext>
+            </a:extLst>
+          </p:cNvPr>
+          <p:cNvSpPr/>
+          <p:nvPr/>
+        </p:nvSpPr>
+        <p:spPr>
+          <a:xfrm>
+            <a:off x="893346" y="4704182"/>
+            <a:ext cx="481290" cy="56337"/>
+          </a:xfrm>
+          <a:prstGeom prst="rect">
+            <a:avLst/>
+          </a:prstGeom>
+          <a:solidFill>
+            <a:schemeClr val="bg1"/>
+          </a:solidFill>
+          <a:ln w="28575">
+            <a:solidFill>
+              <a:schemeClr val="tx1"/>
+            </a:solidFill>
+          </a:ln>
+        </p:spPr>
+        <p:style>
+          <a:lnRef idx="2">
+            <a:schemeClr val="accent1">
+              <a:shade val="50000"/>
+            </a:schemeClr>
+          </a:lnRef>
+          <a:fillRef idx="1">
+            <a:schemeClr val="accent1"/>
+          </a:fillRef>
+          <a:effectRef idx="0">
+            <a:schemeClr val="accent1"/>
+          </a:effectRef>
+          <a:fontRef idx="minor">
+            <a:schemeClr val="lt1"/>
+          </a:fontRef>
+        </p:style>
+        <p:txBody>
+          <a:bodyPr rtlCol="0" anchor="ctr"/>
+          <a:lstStyle/>
+          <a:p>
+            <a:pPr algn="ctr"/>
+            <a:endParaRPr lang="en-US" dirty="0"/>
+          </a:p>
+        </p:txBody>
+      </p:sp>
+      <p:sp>
+        <p:nvSpPr>
+          <p:cNvPr id="16" name="Rectangle 15">
+            <a:extLst>
+              <a:ext uri="{FF2B5EF4-FFF2-40B4-BE49-F238E27FC236}">
+                <a16:creationId xmlns:a16="http://schemas.microsoft.com/office/drawing/2014/main" id="{DA005F49-E220-4F35-81C8-3D6586A560E1}"/>
+              </a:ext>
+            </a:extLst>
+          </p:cNvPr>
+          <p:cNvSpPr/>
+          <p:nvPr/>
+        </p:nvSpPr>
+        <p:spPr>
+          <a:xfrm>
+            <a:off x="893567" y="4269578"/>
+            <a:ext cx="481290" cy="56337"/>
+          </a:xfrm>
+          <a:prstGeom prst="rect">
+            <a:avLst/>
+          </a:prstGeom>
+          <a:solidFill>
+            <a:schemeClr val="bg1"/>
+          </a:solidFill>
+          <a:ln w="28575">
+            <a:solidFill>
+              <a:schemeClr val="tx1"/>
+            </a:solidFill>
+          </a:ln>
+        </p:spPr>
+        <p:style>
+          <a:lnRef idx="2">
+            <a:schemeClr val="accent1">
+              <a:shade val="50000"/>
+            </a:schemeClr>
+          </a:lnRef>
+          <a:fillRef idx="1">
+            <a:schemeClr val="accent1"/>
+          </a:fillRef>
+          <a:effectRef idx="0">
+            <a:schemeClr val="accent1"/>
+          </a:effectRef>
+          <a:fontRef idx="minor">
+            <a:schemeClr val="lt1"/>
+          </a:fontRef>
+        </p:style>
+        <p:txBody>
+          <a:bodyPr rtlCol="0" anchor="ctr"/>
+          <a:lstStyle/>
+          <a:p>
+            <a:pPr algn="ctr"/>
+            <a:endParaRPr lang="en-US"/>
+          </a:p>
+        </p:txBody>
+      </p:sp>
+      <p:cxnSp>
+        <p:nvCxnSpPr>
+          <p:cNvPr id="17" name="Straight Connector 16">
+            <a:extLst>
+              <a:ext uri="{FF2B5EF4-FFF2-40B4-BE49-F238E27FC236}">
+                <a16:creationId xmlns:a16="http://schemas.microsoft.com/office/drawing/2014/main" id="{22F748BA-E1F0-42CB-8696-D6EAF749F0C0}"/>
+              </a:ext>
+            </a:extLst>
+          </p:cNvPr>
+          <p:cNvCxnSpPr>
+            <a:cxnSpLocks/>
+          </p:cNvCxnSpPr>
+          <p:nvPr/>
+        </p:nvCxnSpPr>
+        <p:spPr>
+          <a:xfrm>
+            <a:off x="956936" y="4898508"/>
+            <a:ext cx="339372" cy="79897"/>
+          </a:xfrm>
+          <a:prstGeom prst="line">
+            <a:avLst/>
+          </a:prstGeom>
+          <a:solidFill>
+            <a:schemeClr val="bg1"/>
+          </a:solidFill>
+          <a:ln w="28575">
+            <a:solidFill>
+              <a:schemeClr val="tx1"/>
+            </a:solidFill>
+          </a:ln>
+        </p:spPr>
+        <p:style>
+          <a:lnRef idx="1">
+            <a:schemeClr val="accent1"/>
+          </a:lnRef>
+          <a:fillRef idx="0">
+            <a:schemeClr val="accent1"/>
+          </a:fillRef>
+          <a:effectRef idx="0">
+            <a:schemeClr val="accent1"/>
+          </a:effectRef>
+          <a:fontRef idx="minor">
+            <a:schemeClr val="tx1"/>
+          </a:fontRef>
+        </p:style>
+      </p:cxnSp>
+      <p:cxnSp>
+        <p:nvCxnSpPr>
+          <p:cNvPr id="18" name="Straight Connector 17">
+            <a:extLst>
+              <a:ext uri="{FF2B5EF4-FFF2-40B4-BE49-F238E27FC236}">
+                <a16:creationId xmlns:a16="http://schemas.microsoft.com/office/drawing/2014/main" id="{E2F5C831-8A52-4783-A8F8-98F2A19DF7C0}"/>
+              </a:ext>
+            </a:extLst>
+          </p:cNvPr>
+          <p:cNvCxnSpPr>
+            <a:cxnSpLocks/>
+          </p:cNvCxnSpPr>
+          <p:nvPr/>
+        </p:nvCxnSpPr>
+        <p:spPr>
+          <a:xfrm flipH="1" flipV="1">
+            <a:off x="1123973" y="4067753"/>
+            <a:ext cx="2428" cy="636429"/>
+          </a:xfrm>
+          <a:prstGeom prst="line">
+            <a:avLst/>
+          </a:prstGeom>
+          <a:solidFill>
+            <a:schemeClr val="bg1"/>
+          </a:solidFill>
+          <a:ln w="28575">
+            <a:solidFill>
+              <a:schemeClr val="tx1"/>
+            </a:solidFill>
+          </a:ln>
+        </p:spPr>
+        <p:style>
+          <a:lnRef idx="1">
+            <a:schemeClr val="accent1"/>
+          </a:lnRef>
+          <a:fillRef idx="0">
+            <a:schemeClr val="accent1"/>
+          </a:fillRef>
+          <a:effectRef idx="0">
+            <a:schemeClr val="accent1"/>
+          </a:effectRef>
+          <a:fontRef idx="minor">
+            <a:schemeClr val="tx1"/>
+          </a:fontRef>
+        </p:style>
+      </p:cxnSp>
       <p:cxnSp>
         <p:nvCxnSpPr>
           <p:cNvPr id="373" name="Straight Arrow Connector 372">
@@ -10816,274 +10800,258 @@
           </a:fontRef>
         </p:style>
       </p:cxnSp>
-      <p:grpSp>
-        <p:nvGrpSpPr>
-          <p:cNvPr id="674" name="Group 673">
-            <a:extLst>
-              <a:ext uri="{FF2B5EF4-FFF2-40B4-BE49-F238E27FC236}">
-                <a16:creationId xmlns:a16="http://schemas.microsoft.com/office/drawing/2014/main" id="{B7271D3B-68B3-4A98-A02C-7929EE4B0E32}"/>
-              </a:ext>
-            </a:extLst>
-          </p:cNvPr>
-          <p:cNvGrpSpPr/>
+      <p:sp>
+        <p:nvSpPr>
+          <p:cNvPr id="714" name="Rectangle 713">
+            <a:extLst>
+              <a:ext uri="{FF2B5EF4-FFF2-40B4-BE49-F238E27FC236}">
+                <a16:creationId xmlns:a16="http://schemas.microsoft.com/office/drawing/2014/main" id="{73ADCDC1-F6CE-43E5-92DF-E190C659824E}"/>
+              </a:ext>
+            </a:extLst>
+          </p:cNvPr>
+          <p:cNvSpPr/>
           <p:nvPr/>
-        </p:nvGrpSpPr>
-        <p:grpSpPr>
+        </p:nvSpPr>
+        <p:spPr>
           <a:xfrm>
-            <a:off x="886575" y="6832767"/>
-            <a:ext cx="481753" cy="879311"/>
-            <a:chOff x="2456769" y="2778013"/>
-            <a:chExt cx="1070592" cy="2378649"/>
-          </a:xfrm>
+            <a:off x="887037" y="6948962"/>
+            <a:ext cx="481291" cy="683219"/>
+          </a:xfrm>
+          <a:prstGeom prst="rect">
+            <a:avLst/>
+          </a:prstGeom>
+          <a:noFill/>
+          <a:ln w="28575">
+            <a:solidFill>
+              <a:schemeClr val="tx1"/>
+            </a:solidFill>
+          </a:ln>
+        </p:spPr>
+        <p:style>
+          <a:lnRef idx="2">
+            <a:schemeClr val="accent1">
+              <a:shade val="50000"/>
+            </a:schemeClr>
+          </a:lnRef>
+          <a:fillRef idx="1">
+            <a:schemeClr val="accent1"/>
+          </a:fillRef>
+          <a:effectRef idx="0">
+            <a:schemeClr val="accent1"/>
+          </a:effectRef>
+          <a:fontRef idx="minor">
+            <a:schemeClr val="lt1"/>
+          </a:fontRef>
+        </p:style>
+        <p:txBody>
+          <a:bodyPr rtlCol="0" anchor="ctr"/>
+          <a:lstStyle/>
+          <a:p>
+            <a:pPr algn="ctr"/>
+            <a:endParaRPr lang="en-US"/>
+          </a:p>
+        </p:txBody>
+      </p:sp>
+      <p:sp>
+        <p:nvSpPr>
+          <p:cNvPr id="715" name="Rectangle 714">
+            <a:extLst>
+              <a:ext uri="{FF2B5EF4-FFF2-40B4-BE49-F238E27FC236}">
+                <a16:creationId xmlns:a16="http://schemas.microsoft.com/office/drawing/2014/main" id="{4AAEABE4-C725-444E-97CB-793F202DC8C2}"/>
+              </a:ext>
+            </a:extLst>
+          </p:cNvPr>
+          <p:cNvSpPr/>
+          <p:nvPr/>
+        </p:nvSpPr>
+        <p:spPr>
+          <a:xfrm>
+            <a:off x="886575" y="7164868"/>
+            <a:ext cx="481290" cy="56337"/>
+          </a:xfrm>
+          <a:prstGeom prst="rect">
+            <a:avLst/>
+          </a:prstGeom>
           <a:solidFill>
             <a:schemeClr val="bg1"/>
           </a:solidFill>
-        </p:grpSpPr>
-        <p:sp>
-          <p:nvSpPr>
-            <p:cNvPr id="714" name="Rectangle 713">
-              <a:extLst>
-                <a:ext uri="{FF2B5EF4-FFF2-40B4-BE49-F238E27FC236}">
-                  <a16:creationId xmlns:a16="http://schemas.microsoft.com/office/drawing/2014/main" id="{73ADCDC1-F6CE-43E5-92DF-E190C659824E}"/>
-                </a:ext>
-              </a:extLst>
-            </p:cNvPr>
-            <p:cNvSpPr/>
-            <p:nvPr/>
-          </p:nvSpPr>
-          <p:spPr>
-            <a:xfrm>
-              <a:off x="2457796" y="3092335"/>
-              <a:ext cx="1069565" cy="1848196"/>
-            </a:xfrm>
-            <a:prstGeom prst="rect">
-              <a:avLst/>
-            </a:prstGeom>
-            <a:grpFill/>
-            <a:ln w="28575">
-              <a:solidFill>
-                <a:schemeClr val="tx1"/>
-              </a:solidFill>
-            </a:ln>
-          </p:spPr>
-          <p:style>
-            <a:lnRef idx="2">
-              <a:schemeClr val="accent1">
-                <a:shade val="50000"/>
-              </a:schemeClr>
-            </a:lnRef>
-            <a:fillRef idx="1">
-              <a:schemeClr val="accent1"/>
-            </a:fillRef>
-            <a:effectRef idx="0">
-              <a:schemeClr val="accent1"/>
-            </a:effectRef>
-            <a:fontRef idx="minor">
-              <a:schemeClr val="lt1"/>
-            </a:fontRef>
-          </p:style>
-          <p:txBody>
-            <a:bodyPr rtlCol="0" anchor="ctr"/>
-            <a:lstStyle/>
-            <a:p>
-              <a:pPr algn="ctr"/>
-              <a:endParaRPr lang="en-US"/>
-            </a:p>
-          </p:txBody>
-        </p:sp>
-        <p:sp>
-          <p:nvSpPr>
-            <p:cNvPr id="715" name="Rectangle 714">
-              <a:extLst>
-                <a:ext uri="{FF2B5EF4-FFF2-40B4-BE49-F238E27FC236}">
-                  <a16:creationId xmlns:a16="http://schemas.microsoft.com/office/drawing/2014/main" id="{4AAEABE4-C725-444E-97CB-793F202DC8C2}"/>
-                </a:ext>
-              </a:extLst>
-            </p:cNvPr>
-            <p:cNvSpPr/>
-            <p:nvPr/>
-          </p:nvSpPr>
-          <p:spPr>
-            <a:xfrm>
-              <a:off x="2456769" y="3676390"/>
-              <a:ext cx="1069564" cy="152400"/>
-            </a:xfrm>
-            <a:prstGeom prst="rect">
-              <a:avLst/>
-            </a:prstGeom>
-            <a:grpFill/>
-            <a:ln w="28575">
-              <a:solidFill>
-                <a:schemeClr val="tx1"/>
-              </a:solidFill>
-            </a:ln>
-          </p:spPr>
-          <p:style>
-            <a:lnRef idx="2">
-              <a:schemeClr val="accent1">
-                <a:shade val="50000"/>
-              </a:schemeClr>
-            </a:lnRef>
-            <a:fillRef idx="1">
-              <a:schemeClr val="accent1"/>
-            </a:fillRef>
-            <a:effectRef idx="0">
-              <a:schemeClr val="accent1"/>
-            </a:effectRef>
-            <a:fontRef idx="minor">
-              <a:schemeClr val="lt1"/>
-            </a:fontRef>
-          </p:style>
-          <p:txBody>
-            <a:bodyPr rtlCol="0" anchor="ctr"/>
-            <a:lstStyle/>
-            <a:p>
-              <a:pPr algn="ctr"/>
-              <a:endParaRPr lang="en-US"/>
-            </a:p>
-          </p:txBody>
-        </p:sp>
-        <p:sp>
-          <p:nvSpPr>
-            <p:cNvPr id="716" name="Rectangle 715">
-              <a:extLst>
-                <a:ext uri="{FF2B5EF4-FFF2-40B4-BE49-F238E27FC236}">
-                  <a16:creationId xmlns:a16="http://schemas.microsoft.com/office/drawing/2014/main" id="{78A29E16-D702-4C13-81F3-2705877F5756}"/>
-                </a:ext>
-              </a:extLst>
-            </p:cNvPr>
-            <p:cNvSpPr/>
-            <p:nvPr/>
-          </p:nvSpPr>
-          <p:spPr>
-            <a:xfrm>
-              <a:off x="2457795" y="3239193"/>
-              <a:ext cx="1069565" cy="152400"/>
-            </a:xfrm>
-            <a:prstGeom prst="rect">
-              <a:avLst/>
-            </a:prstGeom>
-            <a:grpFill/>
-            <a:ln w="28575">
-              <a:solidFill>
-                <a:schemeClr val="tx1"/>
-              </a:solidFill>
-            </a:ln>
-          </p:spPr>
-          <p:style>
-            <a:lnRef idx="2">
-              <a:schemeClr val="accent1">
-                <a:shade val="50000"/>
-              </a:schemeClr>
-            </a:lnRef>
-            <a:fillRef idx="1">
-              <a:schemeClr val="accent1"/>
-            </a:fillRef>
-            <a:effectRef idx="0">
-              <a:schemeClr val="accent1"/>
-            </a:effectRef>
-            <a:fontRef idx="minor">
-              <a:schemeClr val="lt1"/>
-            </a:fontRef>
-          </p:style>
-          <p:txBody>
-            <a:bodyPr rtlCol="0" anchor="ctr"/>
-            <a:lstStyle/>
-            <a:p>
-              <a:pPr algn="ctr"/>
-              <a:endParaRPr lang="en-US"/>
-            </a:p>
-          </p:txBody>
-        </p:sp>
-        <p:cxnSp>
-          <p:nvCxnSpPr>
-            <p:cNvPr id="717" name="Straight Connector 716">
-              <a:extLst>
-                <a:ext uri="{FF2B5EF4-FFF2-40B4-BE49-F238E27FC236}">
-                  <a16:creationId xmlns:a16="http://schemas.microsoft.com/office/drawing/2014/main" id="{EFD33EF1-2B91-45AE-92DB-02B8773BD2ED}"/>
-                </a:ext>
-              </a:extLst>
-            </p:cNvPr>
-            <p:cNvCxnSpPr>
-              <a:cxnSpLocks/>
-            </p:cNvCxnSpPr>
-            <p:nvPr/>
-          </p:nvCxnSpPr>
-          <p:spPr>
-            <a:xfrm>
-              <a:off x="2598618" y="4940531"/>
-              <a:ext cx="754182" cy="216131"/>
-            </a:xfrm>
-            <a:prstGeom prst="line">
-              <a:avLst/>
-            </a:prstGeom>
-            <a:grpFill/>
-            <a:ln w="28575">
-              <a:solidFill>
-                <a:schemeClr val="tx1"/>
-              </a:solidFill>
-            </a:ln>
-          </p:spPr>
-          <p:style>
-            <a:lnRef idx="1">
-              <a:schemeClr val="accent1"/>
-            </a:lnRef>
-            <a:fillRef idx="0">
-              <a:schemeClr val="accent1"/>
-            </a:fillRef>
-            <a:effectRef idx="0">
-              <a:schemeClr val="accent1"/>
-            </a:effectRef>
-            <a:fontRef idx="minor">
+          <a:ln w="28575">
+            <a:solidFill>
               <a:schemeClr val="tx1"/>
-            </a:fontRef>
-          </p:style>
-        </p:cxnSp>
-        <p:cxnSp>
-          <p:nvCxnSpPr>
-            <p:cNvPr id="718" name="Straight Connector 717">
-              <a:extLst>
-                <a:ext uri="{FF2B5EF4-FFF2-40B4-BE49-F238E27FC236}">
-                  <a16:creationId xmlns:a16="http://schemas.microsoft.com/office/drawing/2014/main" id="{49796146-3186-40E9-92B6-EBF9164DED41}"/>
-                </a:ext>
-              </a:extLst>
-            </p:cNvPr>
-            <p:cNvCxnSpPr>
-              <a:cxnSpLocks/>
-            </p:cNvCxnSpPr>
-            <p:nvPr/>
-          </p:nvCxnSpPr>
-          <p:spPr>
-            <a:xfrm flipV="1">
-              <a:off x="2974683" y="2778013"/>
-              <a:ext cx="0" cy="898378"/>
-            </a:xfrm>
-            <a:prstGeom prst="line">
-              <a:avLst/>
-            </a:prstGeom>
-            <a:grpFill/>
-            <a:ln w="28575">
-              <a:solidFill>
-                <a:schemeClr val="tx1"/>
-              </a:solidFill>
-            </a:ln>
-          </p:spPr>
-          <p:style>
-            <a:lnRef idx="1">
-              <a:schemeClr val="accent1"/>
-            </a:lnRef>
-            <a:fillRef idx="0">
-              <a:schemeClr val="accent1"/>
-            </a:fillRef>
-            <a:effectRef idx="0">
-              <a:schemeClr val="accent1"/>
-            </a:effectRef>
-            <a:fontRef idx="minor">
+            </a:solidFill>
+          </a:ln>
+        </p:spPr>
+        <p:style>
+          <a:lnRef idx="2">
+            <a:schemeClr val="accent1">
+              <a:shade val="50000"/>
+            </a:schemeClr>
+          </a:lnRef>
+          <a:fillRef idx="1">
+            <a:schemeClr val="accent1"/>
+          </a:fillRef>
+          <a:effectRef idx="0">
+            <a:schemeClr val="accent1"/>
+          </a:effectRef>
+          <a:fontRef idx="minor">
+            <a:schemeClr val="lt1"/>
+          </a:fontRef>
+        </p:style>
+        <p:txBody>
+          <a:bodyPr rtlCol="0" anchor="ctr"/>
+          <a:lstStyle/>
+          <a:p>
+            <a:pPr algn="ctr"/>
+            <a:endParaRPr lang="en-US"/>
+          </a:p>
+        </p:txBody>
+      </p:sp>
+      <p:sp>
+        <p:nvSpPr>
+          <p:cNvPr id="716" name="Rectangle 715">
+            <a:extLst>
+              <a:ext uri="{FF2B5EF4-FFF2-40B4-BE49-F238E27FC236}">
+                <a16:creationId xmlns:a16="http://schemas.microsoft.com/office/drawing/2014/main" id="{78A29E16-D702-4C13-81F3-2705877F5756}"/>
+              </a:ext>
+            </a:extLst>
+          </p:cNvPr>
+          <p:cNvSpPr/>
+          <p:nvPr/>
+        </p:nvSpPr>
+        <p:spPr>
+          <a:xfrm>
+            <a:off x="887037" y="7003251"/>
+            <a:ext cx="481291" cy="56337"/>
+          </a:xfrm>
+          <a:prstGeom prst="rect">
+            <a:avLst/>
+          </a:prstGeom>
+          <a:solidFill>
+            <a:schemeClr val="bg1"/>
+          </a:solidFill>
+          <a:ln w="28575">
+            <a:solidFill>
               <a:schemeClr val="tx1"/>
-            </a:fontRef>
-          </p:style>
-        </p:cxnSp>
-      </p:grpSp>
+            </a:solidFill>
+          </a:ln>
+        </p:spPr>
+        <p:style>
+          <a:lnRef idx="2">
+            <a:schemeClr val="accent1">
+              <a:shade val="50000"/>
+            </a:schemeClr>
+          </a:lnRef>
+          <a:fillRef idx="1">
+            <a:schemeClr val="accent1"/>
+          </a:fillRef>
+          <a:effectRef idx="0">
+            <a:schemeClr val="accent1"/>
+          </a:effectRef>
+          <a:fontRef idx="minor">
+            <a:schemeClr val="lt1"/>
+          </a:fontRef>
+        </p:style>
+        <p:txBody>
+          <a:bodyPr rtlCol="0" anchor="ctr"/>
+          <a:lstStyle/>
+          <a:p>
+            <a:pPr algn="ctr"/>
+            <a:endParaRPr lang="en-US"/>
+          </a:p>
+        </p:txBody>
+      </p:sp>
+      <p:cxnSp>
+        <p:nvCxnSpPr>
+          <p:cNvPr id="717" name="Straight Connector 716">
+            <a:extLst>
+              <a:ext uri="{FF2B5EF4-FFF2-40B4-BE49-F238E27FC236}">
+                <a16:creationId xmlns:a16="http://schemas.microsoft.com/office/drawing/2014/main" id="{EFD33EF1-2B91-45AE-92DB-02B8773BD2ED}"/>
+              </a:ext>
+            </a:extLst>
+          </p:cNvPr>
+          <p:cNvCxnSpPr>
+            <a:cxnSpLocks/>
+          </p:cNvCxnSpPr>
+          <p:nvPr/>
+        </p:nvCxnSpPr>
+        <p:spPr>
+          <a:xfrm>
+            <a:off x="950405" y="7632181"/>
+            <a:ext cx="339372" cy="79897"/>
+          </a:xfrm>
+          <a:prstGeom prst="line">
+            <a:avLst/>
+          </a:prstGeom>
+          <a:solidFill>
+            <a:schemeClr val="bg1"/>
+          </a:solidFill>
+          <a:ln w="28575">
+            <a:solidFill>
+              <a:schemeClr val="tx1"/>
+            </a:solidFill>
+          </a:ln>
+        </p:spPr>
+        <p:style>
+          <a:lnRef idx="1">
+            <a:schemeClr val="accent1"/>
+          </a:lnRef>
+          <a:fillRef idx="0">
+            <a:schemeClr val="accent1"/>
+          </a:fillRef>
+          <a:effectRef idx="0">
+            <a:schemeClr val="accent1"/>
+          </a:effectRef>
+          <a:fontRef idx="minor">
+            <a:schemeClr val="tx1"/>
+          </a:fontRef>
+        </p:style>
+      </p:cxnSp>
+      <p:cxnSp>
+        <p:nvCxnSpPr>
+          <p:cNvPr id="718" name="Straight Connector 717">
+            <a:extLst>
+              <a:ext uri="{FF2B5EF4-FFF2-40B4-BE49-F238E27FC236}">
+                <a16:creationId xmlns:a16="http://schemas.microsoft.com/office/drawing/2014/main" id="{49796146-3186-40E9-92B6-EBF9164DED41}"/>
+              </a:ext>
+            </a:extLst>
+          </p:cNvPr>
+          <p:cNvCxnSpPr>
+            <a:cxnSpLocks/>
+          </p:cNvCxnSpPr>
+          <p:nvPr/>
+        </p:nvCxnSpPr>
+        <p:spPr>
+          <a:xfrm flipV="1">
+            <a:off x="1119630" y="6832767"/>
+            <a:ext cx="0" cy="332102"/>
+          </a:xfrm>
+          <a:prstGeom prst="line">
+            <a:avLst/>
+          </a:prstGeom>
+          <a:solidFill>
+            <a:schemeClr val="bg1"/>
+          </a:solidFill>
+          <a:ln w="28575">
+            <a:solidFill>
+              <a:schemeClr val="tx1"/>
+            </a:solidFill>
+          </a:ln>
+        </p:spPr>
+        <p:style>
+          <a:lnRef idx="1">
+            <a:schemeClr val="accent1"/>
+          </a:lnRef>
+          <a:fillRef idx="0">
+            <a:schemeClr val="accent1"/>
+          </a:fillRef>
+          <a:effectRef idx="0">
+            <a:schemeClr val="accent1"/>
+          </a:effectRef>
+          <a:fontRef idx="minor">
+            <a:schemeClr val="tx1"/>
+          </a:fontRef>
+        </p:style>
+      </p:cxnSp>
       <p:cxnSp>
         <p:nvCxnSpPr>
           <p:cNvPr id="675" name="Straight Connector 674">
@@ -11143,7 +11111,7 @@
         </p:nvCxnSpPr>
         <p:spPr>
           <a:xfrm>
-            <a:off x="1368327" y="7592209"/>
+            <a:off x="1368327" y="7592208"/>
             <a:ext cx="966273" cy="0"/>
           </a:xfrm>
           <a:prstGeom prst="line">
@@ -11557,274 +11525,6 @@
           </a:fontRef>
         </p:style>
       </p:cxnSp>
-      <p:grpSp>
-        <p:nvGrpSpPr>
-          <p:cNvPr id="735" name="Group 734">
-            <a:extLst>
-              <a:ext uri="{FF2B5EF4-FFF2-40B4-BE49-F238E27FC236}">
-                <a16:creationId xmlns:a16="http://schemas.microsoft.com/office/drawing/2014/main" id="{610696ED-36DE-483F-A8C2-C3C07A296EFC}"/>
-              </a:ext>
-            </a:extLst>
-          </p:cNvPr>
-          <p:cNvGrpSpPr/>
-          <p:nvPr/>
-        </p:nvGrpSpPr>
-        <p:grpSpPr>
-          <a:xfrm>
-            <a:off x="887869" y="5472410"/>
-            <a:ext cx="481753" cy="879311"/>
-            <a:chOff x="2456769" y="2778013"/>
-            <a:chExt cx="1070592" cy="2378649"/>
-          </a:xfrm>
-          <a:solidFill>
-            <a:schemeClr val="bg1"/>
-          </a:solidFill>
-        </p:grpSpPr>
-        <p:sp>
-          <p:nvSpPr>
-            <p:cNvPr id="779" name="Rectangle 778">
-              <a:extLst>
-                <a:ext uri="{FF2B5EF4-FFF2-40B4-BE49-F238E27FC236}">
-                  <a16:creationId xmlns:a16="http://schemas.microsoft.com/office/drawing/2014/main" id="{E9D4B7AF-F558-4879-AF38-073E4D3A1992}"/>
-                </a:ext>
-              </a:extLst>
-            </p:cNvPr>
-            <p:cNvSpPr/>
-            <p:nvPr/>
-          </p:nvSpPr>
-          <p:spPr>
-            <a:xfrm>
-              <a:off x="2457796" y="3092335"/>
-              <a:ext cx="1069565" cy="1848196"/>
-            </a:xfrm>
-            <a:prstGeom prst="rect">
-              <a:avLst/>
-            </a:prstGeom>
-            <a:grpFill/>
-            <a:ln w="28575">
-              <a:solidFill>
-                <a:schemeClr val="tx1"/>
-              </a:solidFill>
-            </a:ln>
-          </p:spPr>
-          <p:style>
-            <a:lnRef idx="2">
-              <a:schemeClr val="accent1">
-                <a:shade val="50000"/>
-              </a:schemeClr>
-            </a:lnRef>
-            <a:fillRef idx="1">
-              <a:schemeClr val="accent1"/>
-            </a:fillRef>
-            <a:effectRef idx="0">
-              <a:schemeClr val="accent1"/>
-            </a:effectRef>
-            <a:fontRef idx="minor">
-              <a:schemeClr val="lt1"/>
-            </a:fontRef>
-          </p:style>
-          <p:txBody>
-            <a:bodyPr rtlCol="0" anchor="ctr"/>
-            <a:lstStyle/>
-            <a:p>
-              <a:pPr algn="ctr"/>
-              <a:endParaRPr lang="en-US"/>
-            </a:p>
-          </p:txBody>
-        </p:sp>
-        <p:sp>
-          <p:nvSpPr>
-            <p:cNvPr id="780" name="Rectangle 779">
-              <a:extLst>
-                <a:ext uri="{FF2B5EF4-FFF2-40B4-BE49-F238E27FC236}">
-                  <a16:creationId xmlns:a16="http://schemas.microsoft.com/office/drawing/2014/main" id="{55F1252C-DC95-44EC-B260-AC15F7120649}"/>
-                </a:ext>
-              </a:extLst>
-            </p:cNvPr>
-            <p:cNvSpPr/>
-            <p:nvPr/>
-          </p:nvSpPr>
-          <p:spPr>
-            <a:xfrm>
-              <a:off x="2456769" y="3676390"/>
-              <a:ext cx="1069564" cy="152400"/>
-            </a:xfrm>
-            <a:prstGeom prst="rect">
-              <a:avLst/>
-            </a:prstGeom>
-            <a:grpFill/>
-            <a:ln w="28575">
-              <a:solidFill>
-                <a:schemeClr val="tx1"/>
-              </a:solidFill>
-            </a:ln>
-          </p:spPr>
-          <p:style>
-            <a:lnRef idx="2">
-              <a:schemeClr val="accent1">
-                <a:shade val="50000"/>
-              </a:schemeClr>
-            </a:lnRef>
-            <a:fillRef idx="1">
-              <a:schemeClr val="accent1"/>
-            </a:fillRef>
-            <a:effectRef idx="0">
-              <a:schemeClr val="accent1"/>
-            </a:effectRef>
-            <a:fontRef idx="minor">
-              <a:schemeClr val="lt1"/>
-            </a:fontRef>
-          </p:style>
-          <p:txBody>
-            <a:bodyPr rtlCol="0" anchor="ctr"/>
-            <a:lstStyle/>
-            <a:p>
-              <a:pPr algn="ctr"/>
-              <a:endParaRPr lang="en-US"/>
-            </a:p>
-          </p:txBody>
-        </p:sp>
-        <p:sp>
-          <p:nvSpPr>
-            <p:cNvPr id="781" name="Rectangle 780">
-              <a:extLst>
-                <a:ext uri="{FF2B5EF4-FFF2-40B4-BE49-F238E27FC236}">
-                  <a16:creationId xmlns:a16="http://schemas.microsoft.com/office/drawing/2014/main" id="{07A833D8-7743-4D9C-A6FD-18DC31313D70}"/>
-                </a:ext>
-              </a:extLst>
-            </p:cNvPr>
-            <p:cNvSpPr/>
-            <p:nvPr/>
-          </p:nvSpPr>
-          <p:spPr>
-            <a:xfrm>
-              <a:off x="2457795" y="3239193"/>
-              <a:ext cx="1069565" cy="152400"/>
-            </a:xfrm>
-            <a:prstGeom prst="rect">
-              <a:avLst/>
-            </a:prstGeom>
-            <a:grpFill/>
-            <a:ln w="28575">
-              <a:solidFill>
-                <a:schemeClr val="tx1"/>
-              </a:solidFill>
-            </a:ln>
-          </p:spPr>
-          <p:style>
-            <a:lnRef idx="2">
-              <a:schemeClr val="accent1">
-                <a:shade val="50000"/>
-              </a:schemeClr>
-            </a:lnRef>
-            <a:fillRef idx="1">
-              <a:schemeClr val="accent1"/>
-            </a:fillRef>
-            <a:effectRef idx="0">
-              <a:schemeClr val="accent1"/>
-            </a:effectRef>
-            <a:fontRef idx="minor">
-              <a:schemeClr val="lt1"/>
-            </a:fontRef>
-          </p:style>
-          <p:txBody>
-            <a:bodyPr rtlCol="0" anchor="ctr"/>
-            <a:lstStyle/>
-            <a:p>
-              <a:pPr algn="ctr"/>
-              <a:endParaRPr lang="en-US"/>
-            </a:p>
-          </p:txBody>
-        </p:sp>
-        <p:cxnSp>
-          <p:nvCxnSpPr>
-            <p:cNvPr id="782" name="Straight Connector 781">
-              <a:extLst>
-                <a:ext uri="{FF2B5EF4-FFF2-40B4-BE49-F238E27FC236}">
-                  <a16:creationId xmlns:a16="http://schemas.microsoft.com/office/drawing/2014/main" id="{70B0398C-837C-487F-BBF4-F00EA84431D0}"/>
-                </a:ext>
-              </a:extLst>
-            </p:cNvPr>
-            <p:cNvCxnSpPr>
-              <a:cxnSpLocks/>
-            </p:cNvCxnSpPr>
-            <p:nvPr/>
-          </p:nvCxnSpPr>
-          <p:spPr>
-            <a:xfrm>
-              <a:off x="2598618" y="4940531"/>
-              <a:ext cx="754182" cy="216131"/>
-            </a:xfrm>
-            <a:prstGeom prst="line">
-              <a:avLst/>
-            </a:prstGeom>
-            <a:grpFill/>
-            <a:ln w="28575">
-              <a:solidFill>
-                <a:schemeClr val="tx1"/>
-              </a:solidFill>
-            </a:ln>
-          </p:spPr>
-          <p:style>
-            <a:lnRef idx="1">
-              <a:schemeClr val="accent1"/>
-            </a:lnRef>
-            <a:fillRef idx="0">
-              <a:schemeClr val="accent1"/>
-            </a:fillRef>
-            <a:effectRef idx="0">
-              <a:schemeClr val="accent1"/>
-            </a:effectRef>
-            <a:fontRef idx="minor">
-              <a:schemeClr val="tx1"/>
-            </a:fontRef>
-          </p:style>
-        </p:cxnSp>
-        <p:cxnSp>
-          <p:nvCxnSpPr>
-            <p:cNvPr id="783" name="Straight Connector 782">
-              <a:extLst>
-                <a:ext uri="{FF2B5EF4-FFF2-40B4-BE49-F238E27FC236}">
-                  <a16:creationId xmlns:a16="http://schemas.microsoft.com/office/drawing/2014/main" id="{84DF2D55-E0C9-4C25-AF46-3F7CA8F2F42B}"/>
-                </a:ext>
-              </a:extLst>
-            </p:cNvPr>
-            <p:cNvCxnSpPr>
-              <a:cxnSpLocks/>
-            </p:cNvCxnSpPr>
-            <p:nvPr/>
-          </p:nvCxnSpPr>
-          <p:spPr>
-            <a:xfrm flipV="1">
-              <a:off x="2974683" y="2778013"/>
-              <a:ext cx="0" cy="898378"/>
-            </a:xfrm>
-            <a:prstGeom prst="line">
-              <a:avLst/>
-            </a:prstGeom>
-            <a:grpFill/>
-            <a:ln w="28575">
-              <a:solidFill>
-                <a:schemeClr val="tx1"/>
-              </a:solidFill>
-            </a:ln>
-          </p:spPr>
-          <p:style>
-            <a:lnRef idx="1">
-              <a:schemeClr val="accent1"/>
-            </a:lnRef>
-            <a:fillRef idx="0">
-              <a:schemeClr val="accent1"/>
-            </a:fillRef>
-            <a:effectRef idx="0">
-              <a:schemeClr val="accent1"/>
-            </a:effectRef>
-            <a:fontRef idx="minor">
-              <a:schemeClr val="tx1"/>
-            </a:fontRef>
-          </p:style>
-        </p:cxnSp>
-      </p:grpSp>
       <p:cxnSp>
         <p:nvCxnSpPr>
           <p:cNvPr id="736" name="Straight Connector 735">
@@ -12212,6 +11912,258 @@
           </a:fontRef>
         </p:style>
       </p:cxnSp>
+      <p:sp>
+        <p:nvSpPr>
+          <p:cNvPr id="779" name="Rectangle 778">
+            <a:extLst>
+              <a:ext uri="{FF2B5EF4-FFF2-40B4-BE49-F238E27FC236}">
+                <a16:creationId xmlns:a16="http://schemas.microsoft.com/office/drawing/2014/main" id="{E9D4B7AF-F558-4879-AF38-073E4D3A1992}"/>
+              </a:ext>
+            </a:extLst>
+          </p:cNvPr>
+          <p:cNvSpPr/>
+          <p:nvPr/>
+        </p:nvSpPr>
+        <p:spPr>
+          <a:xfrm>
+            <a:off x="888331" y="5588605"/>
+            <a:ext cx="481291" cy="683219"/>
+          </a:xfrm>
+          <a:prstGeom prst="rect">
+            <a:avLst/>
+          </a:prstGeom>
+          <a:noFill/>
+          <a:ln w="28575">
+            <a:solidFill>
+              <a:schemeClr val="tx1"/>
+            </a:solidFill>
+          </a:ln>
+        </p:spPr>
+        <p:style>
+          <a:lnRef idx="2">
+            <a:schemeClr val="accent1">
+              <a:shade val="50000"/>
+            </a:schemeClr>
+          </a:lnRef>
+          <a:fillRef idx="1">
+            <a:schemeClr val="accent1"/>
+          </a:fillRef>
+          <a:effectRef idx="0">
+            <a:schemeClr val="accent1"/>
+          </a:effectRef>
+          <a:fontRef idx="minor">
+            <a:schemeClr val="lt1"/>
+          </a:fontRef>
+        </p:style>
+        <p:txBody>
+          <a:bodyPr rtlCol="0" anchor="ctr"/>
+          <a:lstStyle/>
+          <a:p>
+            <a:pPr algn="ctr"/>
+            <a:endParaRPr lang="en-US" dirty="0"/>
+          </a:p>
+        </p:txBody>
+      </p:sp>
+      <p:sp>
+        <p:nvSpPr>
+          <p:cNvPr id="780" name="Rectangle 779">
+            <a:extLst>
+              <a:ext uri="{FF2B5EF4-FFF2-40B4-BE49-F238E27FC236}">
+                <a16:creationId xmlns:a16="http://schemas.microsoft.com/office/drawing/2014/main" id="{55F1252C-DC95-44EC-B260-AC15F7120649}"/>
+              </a:ext>
+            </a:extLst>
+          </p:cNvPr>
+          <p:cNvSpPr/>
+          <p:nvPr/>
+        </p:nvSpPr>
+        <p:spPr>
+          <a:xfrm>
+            <a:off x="887869" y="5804511"/>
+            <a:ext cx="481290" cy="56337"/>
+          </a:xfrm>
+          <a:prstGeom prst="rect">
+            <a:avLst/>
+          </a:prstGeom>
+          <a:solidFill>
+            <a:schemeClr val="bg1"/>
+          </a:solidFill>
+          <a:ln w="28575">
+            <a:solidFill>
+              <a:schemeClr val="tx1"/>
+            </a:solidFill>
+          </a:ln>
+        </p:spPr>
+        <p:style>
+          <a:lnRef idx="2">
+            <a:schemeClr val="accent1">
+              <a:shade val="50000"/>
+            </a:schemeClr>
+          </a:lnRef>
+          <a:fillRef idx="1">
+            <a:schemeClr val="accent1"/>
+          </a:fillRef>
+          <a:effectRef idx="0">
+            <a:schemeClr val="accent1"/>
+          </a:effectRef>
+          <a:fontRef idx="minor">
+            <a:schemeClr val="lt1"/>
+          </a:fontRef>
+        </p:style>
+        <p:txBody>
+          <a:bodyPr rtlCol="0" anchor="ctr"/>
+          <a:lstStyle/>
+          <a:p>
+            <a:pPr algn="ctr"/>
+            <a:endParaRPr lang="en-US"/>
+          </a:p>
+        </p:txBody>
+      </p:sp>
+      <p:sp>
+        <p:nvSpPr>
+          <p:cNvPr id="781" name="Rectangle 780">
+            <a:extLst>
+              <a:ext uri="{FF2B5EF4-FFF2-40B4-BE49-F238E27FC236}">
+                <a16:creationId xmlns:a16="http://schemas.microsoft.com/office/drawing/2014/main" id="{07A833D8-7743-4D9C-A6FD-18DC31313D70}"/>
+              </a:ext>
+            </a:extLst>
+          </p:cNvPr>
+          <p:cNvSpPr/>
+          <p:nvPr/>
+        </p:nvSpPr>
+        <p:spPr>
+          <a:xfrm>
+            <a:off x="888331" y="5642894"/>
+            <a:ext cx="481291" cy="56337"/>
+          </a:xfrm>
+          <a:prstGeom prst="rect">
+            <a:avLst/>
+          </a:prstGeom>
+          <a:solidFill>
+            <a:schemeClr val="bg1"/>
+          </a:solidFill>
+          <a:ln w="28575">
+            <a:solidFill>
+              <a:schemeClr val="tx1"/>
+            </a:solidFill>
+          </a:ln>
+        </p:spPr>
+        <p:style>
+          <a:lnRef idx="2">
+            <a:schemeClr val="accent1">
+              <a:shade val="50000"/>
+            </a:schemeClr>
+          </a:lnRef>
+          <a:fillRef idx="1">
+            <a:schemeClr val="accent1"/>
+          </a:fillRef>
+          <a:effectRef idx="0">
+            <a:schemeClr val="accent1"/>
+          </a:effectRef>
+          <a:fontRef idx="minor">
+            <a:schemeClr val="lt1"/>
+          </a:fontRef>
+        </p:style>
+        <p:txBody>
+          <a:bodyPr rtlCol="0" anchor="ctr"/>
+          <a:lstStyle/>
+          <a:p>
+            <a:pPr algn="ctr"/>
+            <a:endParaRPr lang="en-US"/>
+          </a:p>
+        </p:txBody>
+      </p:sp>
+      <p:cxnSp>
+        <p:nvCxnSpPr>
+          <p:cNvPr id="782" name="Straight Connector 781">
+            <a:extLst>
+              <a:ext uri="{FF2B5EF4-FFF2-40B4-BE49-F238E27FC236}">
+                <a16:creationId xmlns:a16="http://schemas.microsoft.com/office/drawing/2014/main" id="{70B0398C-837C-487F-BBF4-F00EA84431D0}"/>
+              </a:ext>
+            </a:extLst>
+          </p:cNvPr>
+          <p:cNvCxnSpPr>
+            <a:cxnSpLocks/>
+          </p:cNvCxnSpPr>
+          <p:nvPr/>
+        </p:nvCxnSpPr>
+        <p:spPr>
+          <a:xfrm>
+            <a:off x="951699" y="6271824"/>
+            <a:ext cx="339372" cy="79897"/>
+          </a:xfrm>
+          <a:prstGeom prst="line">
+            <a:avLst/>
+          </a:prstGeom>
+          <a:solidFill>
+            <a:schemeClr val="bg1"/>
+          </a:solidFill>
+          <a:ln w="28575">
+            <a:solidFill>
+              <a:schemeClr val="tx1"/>
+            </a:solidFill>
+          </a:ln>
+        </p:spPr>
+        <p:style>
+          <a:lnRef idx="1">
+            <a:schemeClr val="accent1"/>
+          </a:lnRef>
+          <a:fillRef idx="0">
+            <a:schemeClr val="accent1"/>
+          </a:fillRef>
+          <a:effectRef idx="0">
+            <a:schemeClr val="accent1"/>
+          </a:effectRef>
+          <a:fontRef idx="minor">
+            <a:schemeClr val="tx1"/>
+          </a:fontRef>
+        </p:style>
+      </p:cxnSp>
+      <p:cxnSp>
+        <p:nvCxnSpPr>
+          <p:cNvPr id="783" name="Straight Connector 782">
+            <a:extLst>
+              <a:ext uri="{FF2B5EF4-FFF2-40B4-BE49-F238E27FC236}">
+                <a16:creationId xmlns:a16="http://schemas.microsoft.com/office/drawing/2014/main" id="{84DF2D55-E0C9-4C25-AF46-3F7CA8F2F42B}"/>
+              </a:ext>
+            </a:extLst>
+          </p:cNvPr>
+          <p:cNvCxnSpPr>
+            <a:cxnSpLocks/>
+          </p:cNvCxnSpPr>
+          <p:nvPr/>
+        </p:nvCxnSpPr>
+        <p:spPr>
+          <a:xfrm flipV="1">
+            <a:off x="1120924" y="5472410"/>
+            <a:ext cx="0" cy="332102"/>
+          </a:xfrm>
+          <a:prstGeom prst="line">
+            <a:avLst/>
+          </a:prstGeom>
+          <a:solidFill>
+            <a:schemeClr val="bg1"/>
+          </a:solidFill>
+          <a:ln w="28575">
+            <a:solidFill>
+              <a:schemeClr val="tx1"/>
+            </a:solidFill>
+          </a:ln>
+        </p:spPr>
+        <p:style>
+          <a:lnRef idx="1">
+            <a:schemeClr val="accent1"/>
+          </a:lnRef>
+          <a:fillRef idx="0">
+            <a:schemeClr val="accent1"/>
+          </a:fillRef>
+          <a:effectRef idx="0">
+            <a:schemeClr val="accent1"/>
+          </a:effectRef>
+          <a:fontRef idx="minor">
+            <a:schemeClr val="tx1"/>
+          </a:fontRef>
+        </p:style>
+      </p:cxnSp>
       <p:cxnSp>
         <p:nvCxnSpPr>
           <p:cNvPr id="752" name="Straight Arrow Connector 751">
@@ -12411,7 +12363,7 @@
           <a:p>
             <a:fld id="{B22262F0-3EAE-418A-8EFA-99D1371096C4}" type="datetime1">
               <a:rPr lang="en-US" smtClean="0"/>
-              <a:t>11/11/2022</a:t>
+              <a:t>5/14/2023</a:t>
             </a:fld>
             <a:endParaRPr lang="en-US"/>
           </a:p>
@@ -13635,6 +13587,258 @@
           </p:txBody>
         </p:sp>
       </p:grpSp>
+      <p:sp>
+        <p:nvSpPr>
+          <p:cNvPr id="9" name="Rectangle 8">
+            <a:extLst>
+              <a:ext uri="{FF2B5EF4-FFF2-40B4-BE49-F238E27FC236}">
+                <a16:creationId xmlns:a16="http://schemas.microsoft.com/office/drawing/2014/main" id="{E149DD0C-E7BA-D961-54D2-D9E73ED0322A}"/>
+              </a:ext>
+            </a:extLst>
+          </p:cNvPr>
+          <p:cNvSpPr/>
+          <p:nvPr/>
+        </p:nvSpPr>
+        <p:spPr>
+          <a:xfrm>
+            <a:off x="887363" y="6947672"/>
+            <a:ext cx="481291" cy="683219"/>
+          </a:xfrm>
+          <a:prstGeom prst="rect">
+            <a:avLst/>
+          </a:prstGeom>
+          <a:noFill/>
+          <a:ln w="28575">
+            <a:solidFill>
+              <a:schemeClr val="tx1"/>
+            </a:solidFill>
+          </a:ln>
+        </p:spPr>
+        <p:style>
+          <a:lnRef idx="2">
+            <a:schemeClr val="accent1">
+              <a:shade val="50000"/>
+            </a:schemeClr>
+          </a:lnRef>
+          <a:fillRef idx="1">
+            <a:schemeClr val="accent1"/>
+          </a:fillRef>
+          <a:effectRef idx="0">
+            <a:schemeClr val="accent1"/>
+          </a:effectRef>
+          <a:fontRef idx="minor">
+            <a:schemeClr val="lt1"/>
+          </a:fontRef>
+        </p:style>
+        <p:txBody>
+          <a:bodyPr rtlCol="0" anchor="ctr"/>
+          <a:lstStyle/>
+          <a:p>
+            <a:pPr algn="ctr"/>
+            <a:endParaRPr lang="en-US"/>
+          </a:p>
+        </p:txBody>
+      </p:sp>
+      <p:sp>
+        <p:nvSpPr>
+          <p:cNvPr id="10" name="Rectangle 9">
+            <a:extLst>
+              <a:ext uri="{FF2B5EF4-FFF2-40B4-BE49-F238E27FC236}">
+                <a16:creationId xmlns:a16="http://schemas.microsoft.com/office/drawing/2014/main" id="{3F52CC1C-FBB3-CFEF-26B3-FE0A6EA075EF}"/>
+              </a:ext>
+            </a:extLst>
+          </p:cNvPr>
+          <p:cNvSpPr/>
+          <p:nvPr/>
+        </p:nvSpPr>
+        <p:spPr>
+          <a:xfrm>
+            <a:off x="886901" y="7163578"/>
+            <a:ext cx="481290" cy="56337"/>
+          </a:xfrm>
+          <a:prstGeom prst="rect">
+            <a:avLst/>
+          </a:prstGeom>
+          <a:solidFill>
+            <a:schemeClr val="bg1"/>
+          </a:solidFill>
+          <a:ln w="28575">
+            <a:solidFill>
+              <a:schemeClr val="tx1"/>
+            </a:solidFill>
+          </a:ln>
+        </p:spPr>
+        <p:style>
+          <a:lnRef idx="2">
+            <a:schemeClr val="accent1">
+              <a:shade val="50000"/>
+            </a:schemeClr>
+          </a:lnRef>
+          <a:fillRef idx="1">
+            <a:schemeClr val="accent1"/>
+          </a:fillRef>
+          <a:effectRef idx="0">
+            <a:schemeClr val="accent1"/>
+          </a:effectRef>
+          <a:fontRef idx="minor">
+            <a:schemeClr val="lt1"/>
+          </a:fontRef>
+        </p:style>
+        <p:txBody>
+          <a:bodyPr rtlCol="0" anchor="ctr"/>
+          <a:lstStyle/>
+          <a:p>
+            <a:pPr algn="ctr"/>
+            <a:endParaRPr lang="en-US"/>
+          </a:p>
+        </p:txBody>
+      </p:sp>
+      <p:sp>
+        <p:nvSpPr>
+          <p:cNvPr id="11" name="Rectangle 10">
+            <a:extLst>
+              <a:ext uri="{FF2B5EF4-FFF2-40B4-BE49-F238E27FC236}">
+                <a16:creationId xmlns:a16="http://schemas.microsoft.com/office/drawing/2014/main" id="{D28CD296-22DF-8E36-89CA-F347467CADC8}"/>
+              </a:ext>
+            </a:extLst>
+          </p:cNvPr>
+          <p:cNvSpPr/>
+          <p:nvPr/>
+        </p:nvSpPr>
+        <p:spPr>
+          <a:xfrm>
+            <a:off x="887363" y="7001961"/>
+            <a:ext cx="481291" cy="56337"/>
+          </a:xfrm>
+          <a:prstGeom prst="rect">
+            <a:avLst/>
+          </a:prstGeom>
+          <a:solidFill>
+            <a:schemeClr val="bg1"/>
+          </a:solidFill>
+          <a:ln w="28575">
+            <a:solidFill>
+              <a:schemeClr val="tx1"/>
+            </a:solidFill>
+          </a:ln>
+        </p:spPr>
+        <p:style>
+          <a:lnRef idx="2">
+            <a:schemeClr val="accent1">
+              <a:shade val="50000"/>
+            </a:schemeClr>
+          </a:lnRef>
+          <a:fillRef idx="1">
+            <a:schemeClr val="accent1"/>
+          </a:fillRef>
+          <a:effectRef idx="0">
+            <a:schemeClr val="accent1"/>
+          </a:effectRef>
+          <a:fontRef idx="minor">
+            <a:schemeClr val="lt1"/>
+          </a:fontRef>
+        </p:style>
+        <p:txBody>
+          <a:bodyPr rtlCol="0" anchor="ctr"/>
+          <a:lstStyle/>
+          <a:p>
+            <a:pPr algn="ctr"/>
+            <a:endParaRPr lang="en-US"/>
+          </a:p>
+        </p:txBody>
+      </p:sp>
+      <p:cxnSp>
+        <p:nvCxnSpPr>
+          <p:cNvPr id="24" name="Straight Connector 23">
+            <a:extLst>
+              <a:ext uri="{FF2B5EF4-FFF2-40B4-BE49-F238E27FC236}">
+                <a16:creationId xmlns:a16="http://schemas.microsoft.com/office/drawing/2014/main" id="{ED1B42D5-F119-1522-BA49-55630D813D1B}"/>
+              </a:ext>
+            </a:extLst>
+          </p:cNvPr>
+          <p:cNvCxnSpPr>
+            <a:cxnSpLocks/>
+          </p:cNvCxnSpPr>
+          <p:nvPr/>
+        </p:nvCxnSpPr>
+        <p:spPr>
+          <a:xfrm>
+            <a:off x="950731" y="7630891"/>
+            <a:ext cx="339372" cy="79897"/>
+          </a:xfrm>
+          <a:prstGeom prst="line">
+            <a:avLst/>
+          </a:prstGeom>
+          <a:solidFill>
+            <a:schemeClr val="bg1"/>
+          </a:solidFill>
+          <a:ln w="28575">
+            <a:solidFill>
+              <a:schemeClr val="tx1"/>
+            </a:solidFill>
+          </a:ln>
+        </p:spPr>
+        <p:style>
+          <a:lnRef idx="1">
+            <a:schemeClr val="accent1"/>
+          </a:lnRef>
+          <a:fillRef idx="0">
+            <a:schemeClr val="accent1"/>
+          </a:fillRef>
+          <a:effectRef idx="0">
+            <a:schemeClr val="accent1"/>
+          </a:effectRef>
+          <a:fontRef idx="minor">
+            <a:schemeClr val="tx1"/>
+          </a:fontRef>
+        </p:style>
+      </p:cxnSp>
+      <p:cxnSp>
+        <p:nvCxnSpPr>
+          <p:cNvPr id="25" name="Straight Connector 24">
+            <a:extLst>
+              <a:ext uri="{FF2B5EF4-FFF2-40B4-BE49-F238E27FC236}">
+                <a16:creationId xmlns:a16="http://schemas.microsoft.com/office/drawing/2014/main" id="{8A3C50B4-8A73-A2EA-A5BF-2247CF1EA149}"/>
+              </a:ext>
+            </a:extLst>
+          </p:cNvPr>
+          <p:cNvCxnSpPr>
+            <a:cxnSpLocks/>
+          </p:cNvCxnSpPr>
+          <p:nvPr/>
+        </p:nvCxnSpPr>
+        <p:spPr>
+          <a:xfrm flipV="1">
+            <a:off x="1119956" y="6831477"/>
+            <a:ext cx="0" cy="332102"/>
+          </a:xfrm>
+          <a:prstGeom prst="line">
+            <a:avLst/>
+          </a:prstGeom>
+          <a:solidFill>
+            <a:schemeClr val="bg1"/>
+          </a:solidFill>
+          <a:ln w="28575">
+            <a:solidFill>
+              <a:schemeClr val="tx1"/>
+            </a:solidFill>
+          </a:ln>
+        </p:spPr>
+        <p:style>
+          <a:lnRef idx="1">
+            <a:schemeClr val="accent1"/>
+          </a:lnRef>
+          <a:fillRef idx="0">
+            <a:schemeClr val="accent1"/>
+          </a:fillRef>
+          <a:effectRef idx="0">
+            <a:schemeClr val="accent1"/>
+          </a:effectRef>
+          <a:fontRef idx="minor">
+            <a:schemeClr val="tx1"/>
+          </a:fontRef>
+        </p:style>
+      </p:cxnSp>
     </p:spTree>
     <p:extLst>
       <p:ext uri="{BB962C8B-B14F-4D97-AF65-F5344CB8AC3E}">
@@ -17080,7 +17284,7 @@
           <a:p>
             <a:fld id="{B22262F0-3EAE-418A-8EFA-99D1371096C4}" type="datetime1">
               <a:rPr lang="en-US" smtClean="0"/>
-              <a:t>11/11/2022</a:t>
+              <a:t>5/14/2023</a:t>
             </a:fld>
             <a:endParaRPr lang="en-US"/>
           </a:p>
